--- a/Sticky-Notes_user.pptx
+++ b/Sticky-Notes_user.pptx
@@ -455,7 +455,7 @@
           <a:p>
             <a:fld id="{9355F384-320A-4C3F-86FC-4ED2582FFE54}" type="datetimeFigureOut">
               <a:rPr lang="en-US" smtClean="0"/>
-              <a:t>7/27/2019</a:t>
+              <a:t>7/28/2019</a:t>
             </a:fld>
             <a:endParaRPr lang="en-US"/>
           </a:p>
@@ -779,7 +779,7 @@
           <a:p>
             <a:fld id="{9355F384-320A-4C3F-86FC-4ED2582FFE54}" type="datetimeFigureOut">
               <a:rPr lang="en-US" smtClean="0"/>
-              <a:t>7/27/2019</a:t>
+              <a:t>7/28/2019</a:t>
             </a:fld>
             <a:endParaRPr lang="en-US"/>
           </a:p>
@@ -1027,7 +1027,7 @@
           <a:p>
             <a:fld id="{9355F384-320A-4C3F-86FC-4ED2582FFE54}" type="datetimeFigureOut">
               <a:rPr lang="en-US" smtClean="0"/>
-              <a:t>7/27/2019</a:t>
+              <a:t>7/28/2019</a:t>
             </a:fld>
             <a:endParaRPr lang="en-US"/>
           </a:p>
@@ -1366,7 +1366,7 @@
           <a:p>
             <a:fld id="{9355F384-320A-4C3F-86FC-4ED2582FFE54}" type="datetimeFigureOut">
               <a:rPr lang="en-US" smtClean="0"/>
-              <a:t>7/27/2019</a:t>
+              <a:t>7/28/2019</a:t>
             </a:fld>
             <a:endParaRPr lang="en-US"/>
           </a:p>
@@ -1713,7 +1713,7 @@
           <a:p>
             <a:fld id="{9355F384-320A-4C3F-86FC-4ED2582FFE54}" type="datetimeFigureOut">
               <a:rPr lang="en-US" smtClean="0"/>
-              <a:t>7/27/2019</a:t>
+              <a:t>7/28/2019</a:t>
             </a:fld>
             <a:endParaRPr lang="en-US"/>
           </a:p>
@@ -2087,7 +2087,7 @@
           <a:p>
             <a:fld id="{9355F384-320A-4C3F-86FC-4ED2582FFE54}" type="datetimeFigureOut">
               <a:rPr lang="en-US" smtClean="0"/>
-              <a:t>7/27/2019</a:t>
+              <a:t>7/28/2019</a:t>
             </a:fld>
             <a:endParaRPr lang="en-US"/>
           </a:p>
@@ -2557,7 +2557,7 @@
           <a:p>
             <a:fld id="{9355F384-320A-4C3F-86FC-4ED2582FFE54}" type="datetimeFigureOut">
               <a:rPr lang="en-US" smtClean="0"/>
-              <a:t>7/27/2019</a:t>
+              <a:t>7/28/2019</a:t>
             </a:fld>
             <a:endParaRPr lang="en-US"/>
           </a:p>
@@ -2762,7 +2762,7 @@
           <a:p>
             <a:fld id="{9355F384-320A-4C3F-86FC-4ED2582FFE54}" type="datetimeFigureOut">
               <a:rPr lang="en-US" smtClean="0"/>
-              <a:t>7/27/2019</a:t>
+              <a:t>7/28/2019</a:t>
             </a:fld>
             <a:endParaRPr lang="en-US"/>
           </a:p>
@@ -2973,7 +2973,7 @@
           <a:p>
             <a:fld id="{9355F384-320A-4C3F-86FC-4ED2582FFE54}" type="datetimeFigureOut">
               <a:rPr lang="en-US" smtClean="0"/>
-              <a:t>7/27/2019</a:t>
+              <a:t>7/28/2019</a:t>
             </a:fld>
             <a:endParaRPr lang="en-US"/>
           </a:p>
@@ -3205,7 +3205,7 @@
           <a:p>
             <a:fld id="{9355F384-320A-4C3F-86FC-4ED2582FFE54}" type="datetimeFigureOut">
               <a:rPr lang="en-US" smtClean="0"/>
-              <a:t>7/27/2019</a:t>
+              <a:t>7/28/2019</a:t>
             </a:fld>
             <a:endParaRPr lang="en-US"/>
           </a:p>
@@ -3453,7 +3453,7 @@
           <a:p>
             <a:fld id="{9355F384-320A-4C3F-86FC-4ED2582FFE54}" type="datetimeFigureOut">
               <a:rPr lang="en-US" smtClean="0"/>
-              <a:t>7/27/2019</a:t>
+              <a:t>7/28/2019</a:t>
             </a:fld>
             <a:endParaRPr lang="en-US"/>
           </a:p>
@@ -3751,7 +3751,7 @@
           <a:p>
             <a:fld id="{9355F384-320A-4C3F-86FC-4ED2582FFE54}" type="datetimeFigureOut">
               <a:rPr lang="en-US" smtClean="0"/>
-              <a:t>7/27/2019</a:t>
+              <a:t>7/28/2019</a:t>
             </a:fld>
             <a:endParaRPr lang="en-US"/>
           </a:p>
@@ -4145,7 +4145,7 @@
           <a:p>
             <a:fld id="{9355F384-320A-4C3F-86FC-4ED2582FFE54}" type="datetimeFigureOut">
               <a:rPr lang="en-US" smtClean="0"/>
-              <a:t>7/27/2019</a:t>
+              <a:t>7/28/2019</a:t>
             </a:fld>
             <a:endParaRPr lang="en-US"/>
           </a:p>
@@ -4294,7 +4294,7 @@
           <a:p>
             <a:fld id="{9355F384-320A-4C3F-86FC-4ED2582FFE54}" type="datetimeFigureOut">
               <a:rPr lang="en-US" smtClean="0"/>
-              <a:t>7/27/2019</a:t>
+              <a:t>7/28/2019</a:t>
             </a:fld>
             <a:endParaRPr lang="en-US"/>
           </a:p>
@@ -4420,7 +4420,7 @@
           <a:p>
             <a:fld id="{9355F384-320A-4C3F-86FC-4ED2582FFE54}" type="datetimeFigureOut">
               <a:rPr lang="en-US" smtClean="0"/>
-              <a:t>7/27/2019</a:t>
+              <a:t>7/28/2019</a:t>
             </a:fld>
             <a:endParaRPr lang="en-US"/>
           </a:p>
@@ -4675,7 +4675,7 @@
           <a:p>
             <a:fld id="{9355F384-320A-4C3F-86FC-4ED2582FFE54}" type="datetimeFigureOut">
               <a:rPr lang="en-US" smtClean="0"/>
-              <a:t>7/27/2019</a:t>
+              <a:t>7/28/2019</a:t>
             </a:fld>
             <a:endParaRPr lang="en-US"/>
           </a:p>
@@ -4990,7 +4990,7 @@
           <a:p>
             <a:fld id="{9355F384-320A-4C3F-86FC-4ED2582FFE54}" type="datetimeFigureOut">
               <a:rPr lang="en-US" smtClean="0"/>
-              <a:t>7/27/2019</a:t>
+              <a:t>7/28/2019</a:t>
             </a:fld>
             <a:endParaRPr lang="en-US"/>
           </a:p>
@@ -5341,7 +5341,7 @@
           <a:p>
             <a:fld id="{9355F384-320A-4C3F-86FC-4ED2582FFE54}" type="datetimeFigureOut">
               <a:rPr lang="en-US" smtClean="0"/>
-              <a:t>7/27/2019</a:t>
+              <a:t>7/28/2019</a:t>
             </a:fld>
             <a:endParaRPr lang="en-US"/>
           </a:p>
@@ -6123,6 +6123,46 @@
           </a:prstGeom>
         </p:spPr>
       </p:pic>
+      <p:sp>
+        <p:nvSpPr>
+          <p:cNvPr id="7" name="Rectangle 6"/>
+          <p:cNvSpPr/>
+          <p:nvPr/>
+        </p:nvSpPr>
+        <p:spPr>
+          <a:xfrm>
+            <a:off x="757646" y="992777"/>
+            <a:ext cx="378823" cy="339634"/>
+          </a:xfrm>
+          <a:prstGeom prst="rect">
+            <a:avLst/>
+          </a:prstGeom>
+        </p:spPr>
+        <p:style>
+          <a:lnRef idx="2">
+            <a:schemeClr val="accent1">
+              <a:shade val="50000"/>
+            </a:schemeClr>
+          </a:lnRef>
+          <a:fillRef idx="1">
+            <a:schemeClr val="accent1"/>
+          </a:fillRef>
+          <a:effectRef idx="0">
+            <a:schemeClr val="accent1"/>
+          </a:effectRef>
+          <a:fontRef idx="minor">
+            <a:schemeClr val="lt1"/>
+          </a:fontRef>
+        </p:style>
+        <p:txBody>
+          <a:bodyPr rtlCol="0" anchor="ctr"/>
+          <a:lstStyle/>
+          <a:p>
+            <a:pPr algn="ctr"/>
+            <a:endParaRPr lang="en-US"/>
+          </a:p>
+        </p:txBody>
+      </p:sp>
     </p:spTree>
     <p:extLst>
       <p:ext uri="{BB962C8B-B14F-4D97-AF65-F5344CB8AC3E}">
@@ -6287,6 +6327,46 @@
           </a:prstGeom>
         </p:spPr>
       </p:pic>
+      <p:sp>
+        <p:nvSpPr>
+          <p:cNvPr id="5" name="Rectangle 4"/>
+          <p:cNvSpPr/>
+          <p:nvPr/>
+        </p:nvSpPr>
+        <p:spPr>
+          <a:xfrm>
+            <a:off x="757646" y="992777"/>
+            <a:ext cx="378823" cy="339634"/>
+          </a:xfrm>
+          <a:prstGeom prst="rect">
+            <a:avLst/>
+          </a:prstGeom>
+        </p:spPr>
+        <p:style>
+          <a:lnRef idx="2">
+            <a:schemeClr val="accent1">
+              <a:shade val="50000"/>
+            </a:schemeClr>
+          </a:lnRef>
+          <a:fillRef idx="1">
+            <a:schemeClr val="accent1"/>
+          </a:fillRef>
+          <a:effectRef idx="0">
+            <a:schemeClr val="accent1"/>
+          </a:effectRef>
+          <a:fontRef idx="minor">
+            <a:schemeClr val="lt1"/>
+          </a:fontRef>
+        </p:style>
+        <p:txBody>
+          <a:bodyPr rtlCol="0" anchor="ctr"/>
+          <a:lstStyle/>
+          <a:p>
+            <a:pPr algn="ctr"/>
+            <a:endParaRPr lang="en-US"/>
+          </a:p>
+        </p:txBody>
+      </p:sp>
     </p:spTree>
     <p:extLst>
       <p:ext uri="{BB962C8B-B14F-4D97-AF65-F5344CB8AC3E}">
@@ -6472,6 +6552,46 @@
           </a:prstGeom>
         </p:spPr>
       </p:pic>
+      <p:sp>
+        <p:nvSpPr>
+          <p:cNvPr id="6" name="Rectangle 5"/>
+          <p:cNvSpPr/>
+          <p:nvPr/>
+        </p:nvSpPr>
+        <p:spPr>
+          <a:xfrm>
+            <a:off x="757646" y="1018903"/>
+            <a:ext cx="378823" cy="339634"/>
+          </a:xfrm>
+          <a:prstGeom prst="rect">
+            <a:avLst/>
+          </a:prstGeom>
+        </p:spPr>
+        <p:style>
+          <a:lnRef idx="2">
+            <a:schemeClr val="accent1">
+              <a:shade val="50000"/>
+            </a:schemeClr>
+          </a:lnRef>
+          <a:fillRef idx="1">
+            <a:schemeClr val="accent1"/>
+          </a:fillRef>
+          <a:effectRef idx="0">
+            <a:schemeClr val="accent1"/>
+          </a:effectRef>
+          <a:fontRef idx="minor">
+            <a:schemeClr val="lt1"/>
+          </a:fontRef>
+        </p:style>
+        <p:txBody>
+          <a:bodyPr rtlCol="0" anchor="ctr"/>
+          <a:lstStyle/>
+          <a:p>
+            <a:pPr algn="ctr"/>
+            <a:endParaRPr lang="en-US"/>
+          </a:p>
+        </p:txBody>
+      </p:sp>
     </p:spTree>
     <p:extLst>
       <p:ext uri="{BB962C8B-B14F-4D97-AF65-F5344CB8AC3E}">
@@ -7163,6 +7283,46 @@
           </a:prstGeom>
         </p:spPr>
       </p:pic>
+      <p:sp>
+        <p:nvSpPr>
+          <p:cNvPr id="9" name="Rectangle 8"/>
+          <p:cNvSpPr/>
+          <p:nvPr/>
+        </p:nvSpPr>
+        <p:spPr>
+          <a:xfrm>
+            <a:off x="757646" y="992777"/>
+            <a:ext cx="378823" cy="339634"/>
+          </a:xfrm>
+          <a:prstGeom prst="rect">
+            <a:avLst/>
+          </a:prstGeom>
+        </p:spPr>
+        <p:style>
+          <a:lnRef idx="2">
+            <a:schemeClr val="accent1">
+              <a:shade val="50000"/>
+            </a:schemeClr>
+          </a:lnRef>
+          <a:fillRef idx="1">
+            <a:schemeClr val="accent1"/>
+          </a:fillRef>
+          <a:effectRef idx="0">
+            <a:schemeClr val="accent1"/>
+          </a:effectRef>
+          <a:fontRef idx="minor">
+            <a:schemeClr val="lt1"/>
+          </a:fontRef>
+        </p:style>
+        <p:txBody>
+          <a:bodyPr rtlCol="0" anchor="ctr"/>
+          <a:lstStyle/>
+          <a:p>
+            <a:pPr algn="ctr"/>
+            <a:endParaRPr lang="en-US"/>
+          </a:p>
+        </p:txBody>
+      </p:sp>
     </p:spTree>
     <p:extLst>
       <p:ext uri="{BB962C8B-B14F-4D97-AF65-F5344CB8AC3E}">
@@ -8421,6 +8581,46 @@
           </a:prstGeom>
         </p:spPr>
       </p:pic>
+      <p:sp>
+        <p:nvSpPr>
+          <p:cNvPr id="9" name="Rectangle 8"/>
+          <p:cNvSpPr/>
+          <p:nvPr/>
+        </p:nvSpPr>
+        <p:spPr>
+          <a:xfrm>
+            <a:off x="757646" y="992777"/>
+            <a:ext cx="378823" cy="339634"/>
+          </a:xfrm>
+          <a:prstGeom prst="rect">
+            <a:avLst/>
+          </a:prstGeom>
+        </p:spPr>
+        <p:style>
+          <a:lnRef idx="2">
+            <a:schemeClr val="accent1">
+              <a:shade val="50000"/>
+            </a:schemeClr>
+          </a:lnRef>
+          <a:fillRef idx="1">
+            <a:schemeClr val="accent1"/>
+          </a:fillRef>
+          <a:effectRef idx="0">
+            <a:schemeClr val="accent1"/>
+          </a:effectRef>
+          <a:fontRef idx="minor">
+            <a:schemeClr val="lt1"/>
+          </a:fontRef>
+        </p:style>
+        <p:txBody>
+          <a:bodyPr rtlCol="0" anchor="ctr"/>
+          <a:lstStyle/>
+          <a:p>
+            <a:pPr algn="ctr"/>
+            <a:endParaRPr lang="en-US"/>
+          </a:p>
+        </p:txBody>
+      </p:sp>
     </p:spTree>
     <p:extLst>
       <p:ext uri="{BB962C8B-B14F-4D97-AF65-F5344CB8AC3E}">
@@ -8606,6 +8806,46 @@
           </a:prstGeom>
         </p:spPr>
       </p:pic>
+      <p:sp>
+        <p:nvSpPr>
+          <p:cNvPr id="6" name="Rectangle 5"/>
+          <p:cNvSpPr/>
+          <p:nvPr/>
+        </p:nvSpPr>
+        <p:spPr>
+          <a:xfrm>
+            <a:off x="757646" y="992777"/>
+            <a:ext cx="378823" cy="339634"/>
+          </a:xfrm>
+          <a:prstGeom prst="rect">
+            <a:avLst/>
+          </a:prstGeom>
+        </p:spPr>
+        <p:style>
+          <a:lnRef idx="2">
+            <a:schemeClr val="accent1">
+              <a:shade val="50000"/>
+            </a:schemeClr>
+          </a:lnRef>
+          <a:fillRef idx="1">
+            <a:schemeClr val="accent1"/>
+          </a:fillRef>
+          <a:effectRef idx="0">
+            <a:schemeClr val="accent1"/>
+          </a:effectRef>
+          <a:fontRef idx="minor">
+            <a:schemeClr val="lt1"/>
+          </a:fontRef>
+        </p:style>
+        <p:txBody>
+          <a:bodyPr rtlCol="0" anchor="ctr"/>
+          <a:lstStyle/>
+          <a:p>
+            <a:pPr algn="ctr"/>
+            <a:endParaRPr lang="en-US"/>
+          </a:p>
+        </p:txBody>
+      </p:sp>
     </p:spTree>
     <p:extLst>
       <p:ext uri="{BB962C8B-B14F-4D97-AF65-F5344CB8AC3E}">
@@ -8789,6 +9029,46 @@
           </a:prstGeom>
         </p:spPr>
       </p:pic>
+      <p:sp>
+        <p:nvSpPr>
+          <p:cNvPr id="7" name="Rectangle 6"/>
+          <p:cNvSpPr/>
+          <p:nvPr/>
+        </p:nvSpPr>
+        <p:spPr>
+          <a:xfrm>
+            <a:off x="757646" y="992777"/>
+            <a:ext cx="378823" cy="339634"/>
+          </a:xfrm>
+          <a:prstGeom prst="rect">
+            <a:avLst/>
+          </a:prstGeom>
+        </p:spPr>
+        <p:style>
+          <a:lnRef idx="2">
+            <a:schemeClr val="accent1">
+              <a:shade val="50000"/>
+            </a:schemeClr>
+          </a:lnRef>
+          <a:fillRef idx="1">
+            <a:schemeClr val="accent1"/>
+          </a:fillRef>
+          <a:effectRef idx="0">
+            <a:schemeClr val="accent1"/>
+          </a:effectRef>
+          <a:fontRef idx="minor">
+            <a:schemeClr val="lt1"/>
+          </a:fontRef>
+        </p:style>
+        <p:txBody>
+          <a:bodyPr rtlCol="0" anchor="ctr"/>
+          <a:lstStyle/>
+          <a:p>
+            <a:pPr algn="ctr"/>
+            <a:endParaRPr lang="en-US"/>
+          </a:p>
+        </p:txBody>
+      </p:sp>
     </p:spTree>
     <p:extLst>
       <p:ext uri="{BB962C8B-B14F-4D97-AF65-F5344CB8AC3E}">
